--- a/22-proofs3/lec.pptx
+++ b/22-proofs3/lec.pptx
@@ -27,15 +27,15 @@
     <p:sldId id="730" r:id="rId18"/>
     <p:sldId id="731" r:id="rId19"/>
     <p:sldId id="733" r:id="rId20"/>
-    <p:sldId id="735" r:id="rId21"/>
-    <p:sldId id="737" r:id="rId22"/>
-    <p:sldId id="715" r:id="rId23"/>
-    <p:sldId id="717" r:id="rId24"/>
-    <p:sldId id="739" r:id="rId25"/>
-    <p:sldId id="718" r:id="rId26"/>
-    <p:sldId id="734" r:id="rId27"/>
-    <p:sldId id="740" r:id="rId28"/>
-    <p:sldId id="745" r:id="rId29"/>
+    <p:sldId id="745" r:id="rId21"/>
+    <p:sldId id="735" r:id="rId22"/>
+    <p:sldId id="737" r:id="rId23"/>
+    <p:sldId id="715" r:id="rId24"/>
+    <p:sldId id="717" r:id="rId25"/>
+    <p:sldId id="739" r:id="rId26"/>
+    <p:sldId id="718" r:id="rId27"/>
+    <p:sldId id="734" r:id="rId28"/>
+    <p:sldId id="740" r:id="rId29"/>
     <p:sldId id="736" r:id="rId30"/>
     <p:sldId id="742" r:id="rId31"/>
     <p:sldId id="741" r:id="rId32"/>
@@ -239,7 +239,7 @@
           <a:p>
             <a:fld id="{5367F125-181F-9A48-A24E-AAD89CB055B5}" type="datetimeFigureOut">
               <a:rPr lang="en-US" smtClean="0"/>
-              <a:t>11/18/19</a:t>
+              <a:t>11/19/19</a:t>
             </a:fld>
             <a:endParaRPr lang="en-US"/>
           </a:p>
@@ -643,33 +643,7 @@
           <a:bodyPr/>
           <a:lstStyle/>
           <a:p>
-            <a:pPr marL="0" marR="0" lvl="0" indent="0" algn="l" defTabSz="457200" rtl="0" eaLnBrk="1" fontAlgn="auto" latinLnBrk="0" hangingPunct="1">
-              <a:lnSpc>
-                <a:spcPct val="100000"/>
-              </a:lnSpc>
-              <a:spcBef>
-                <a:spcPts val="0"/>
-              </a:spcBef>
-              <a:spcAft>
-                <a:spcPts val="0"/>
-              </a:spcAft>
-              <a:buClrTx/>
-              <a:buSzTx/>
-              <a:buFontTx/>
-              <a:buNone/>
-              <a:tabLst/>
-              <a:defRPr/>
-            </a:pPr>
-            <a:r>
-              <a:rPr lang="en-US" dirty="0"/>
-              <a:t>Might not have equation for every possible interaction, because some might not be meaningful.</a:t>
-            </a:r>
-          </a:p>
-          <a:p>
-            <a:r>
-              <a:rPr lang="en-US" dirty="0"/>
-              <a:t>For example, [peek empty] and  [pop empty] not included here, because they are errors.</a:t>
-            </a:r>
+            <a:endParaRPr lang="en-US" dirty="0"/>
           </a:p>
         </p:txBody>
       </p:sp>
@@ -690,7 +664,7 @@
           <a:p>
             <a:fld id="{B7975FD5-AB21-4C45-BFE8-1D3F02B463E2}" type="slidenum">
               <a:rPr lang="en-US" smtClean="0"/>
-              <a:t>25</a:t>
+              <a:t>24</a:t>
             </a:fld>
             <a:endParaRPr lang="en-US"/>
           </a:p>
@@ -699,7 +673,7 @@
     </p:spTree>
     <p:extLst>
       <p:ext uri="{BB962C8B-B14F-4D97-AF65-F5344CB8AC3E}">
-        <p14:creationId xmlns:p14="http://schemas.microsoft.com/office/powerpoint/2010/main" val="757749946"/>
+        <p14:creationId xmlns:p14="http://schemas.microsoft.com/office/powerpoint/2010/main" val="1880941620"/>
       </p:ext>
     </p:extLst>
   </p:cSld>
@@ -753,6 +727,90 @@
           <a:bodyPr/>
           <a:lstStyle/>
           <a:p>
+            <a:endParaRPr lang="en-US" dirty="0"/>
+          </a:p>
+        </p:txBody>
+      </p:sp>
+      <p:sp>
+        <p:nvSpPr>
+          <p:cNvPr id="4" name="Slide Number Placeholder 3"/>
+          <p:cNvSpPr>
+            <a:spLocks noGrp="1"/>
+          </p:cNvSpPr>
+          <p:nvPr>
+            <p:ph type="sldNum" sz="quarter" idx="5"/>
+          </p:nvPr>
+        </p:nvSpPr>
+        <p:spPr/>
+        <p:txBody>
+          <a:bodyPr/>
+          <a:lstStyle/>
+          <a:p>
+            <a:fld id="{B7975FD5-AB21-4C45-BFE8-1D3F02B463E2}" type="slidenum">
+              <a:rPr lang="en-US" smtClean="0"/>
+              <a:t>25</a:t>
+            </a:fld>
+            <a:endParaRPr lang="en-US"/>
+          </a:p>
+        </p:txBody>
+      </p:sp>
+    </p:spTree>
+    <p:extLst>
+      <p:ext uri="{BB962C8B-B14F-4D97-AF65-F5344CB8AC3E}">
+        <p14:creationId xmlns:p14="http://schemas.microsoft.com/office/powerpoint/2010/main" val="2593730393"/>
+      </p:ext>
+    </p:extLst>
+  </p:cSld>
+  <p:clrMapOvr>
+    <a:masterClrMapping/>
+  </p:clrMapOvr>
+</p:notes>
+</file>
+
+<file path=ppt/notesSlides/notesSlide12.xml><?xml version="1.0" encoding="utf-8"?>
+<p:notes xmlns:a="http://schemas.openxmlformats.org/drawingml/2006/main" xmlns:r="http://schemas.openxmlformats.org/officeDocument/2006/relationships" xmlns:p="http://schemas.openxmlformats.org/presentationml/2006/main">
+  <p:cSld>
+    <p:spTree>
+      <p:nvGrpSpPr>
+        <p:cNvPr id="1" name=""/>
+        <p:cNvGrpSpPr/>
+        <p:nvPr/>
+      </p:nvGrpSpPr>
+      <p:grpSpPr>
+        <a:xfrm>
+          <a:off x="0" y="0"/>
+          <a:ext cx="0" cy="0"/>
+          <a:chOff x="0" y="0"/>
+          <a:chExt cx="0" cy="0"/>
+        </a:xfrm>
+      </p:grpSpPr>
+      <p:sp>
+        <p:nvSpPr>
+          <p:cNvPr id="2" name="Slide Image Placeholder 1"/>
+          <p:cNvSpPr>
+            <a:spLocks noGrp="1" noRot="1" noChangeAspect="1"/>
+          </p:cNvSpPr>
+          <p:nvPr>
+            <p:ph type="sldImg"/>
+          </p:nvPr>
+        </p:nvSpPr>
+        <p:spPr/>
+      </p:sp>
+      <p:sp>
+        <p:nvSpPr>
+          <p:cNvPr id="3" name="Notes Placeholder 2"/>
+          <p:cNvSpPr>
+            <a:spLocks noGrp="1"/>
+          </p:cNvSpPr>
+          <p:nvPr>
+            <p:ph type="body" idx="1"/>
+          </p:nvPr>
+        </p:nvSpPr>
+        <p:spPr/>
+        <p:txBody>
+          <a:bodyPr/>
+          <a:lstStyle/>
+          <a:p>
             <a:pPr marL="0" marR="0" lvl="0" indent="0" algn="l" defTabSz="457200" rtl="0" eaLnBrk="1" fontAlgn="auto" latinLnBrk="0" hangingPunct="1">
               <a:lnSpc>
                 <a:spcPct val="100000"/>
@@ -770,6 +828,116 @@
               <a:tabLst/>
               <a:defRPr/>
             </a:pPr>
+            <a:r>
+              <a:rPr lang="en-US" dirty="0"/>
+              <a:t>Might not have equation for every possible interaction, because some might not be meaningful.</a:t>
+            </a:r>
+          </a:p>
+          <a:p>
+            <a:r>
+              <a:rPr lang="en-US" dirty="0"/>
+              <a:t>For example, [peek empty] and  [pop empty] not included here, because they are errors.</a:t>
+            </a:r>
+          </a:p>
+        </p:txBody>
+      </p:sp>
+      <p:sp>
+        <p:nvSpPr>
+          <p:cNvPr id="4" name="Slide Number Placeholder 3"/>
+          <p:cNvSpPr>
+            <a:spLocks noGrp="1"/>
+          </p:cNvSpPr>
+          <p:nvPr>
+            <p:ph type="sldNum" sz="quarter" idx="5"/>
+          </p:nvPr>
+        </p:nvSpPr>
+        <p:spPr/>
+        <p:txBody>
+          <a:bodyPr/>
+          <a:lstStyle/>
+          <a:p>
+            <a:fld id="{B7975FD5-AB21-4C45-BFE8-1D3F02B463E2}" type="slidenum">
+              <a:rPr lang="en-US" smtClean="0"/>
+              <a:t>26</a:t>
+            </a:fld>
+            <a:endParaRPr lang="en-US"/>
+          </a:p>
+        </p:txBody>
+      </p:sp>
+    </p:spTree>
+    <p:extLst>
+      <p:ext uri="{BB962C8B-B14F-4D97-AF65-F5344CB8AC3E}">
+        <p14:creationId xmlns:p14="http://schemas.microsoft.com/office/powerpoint/2010/main" val="757749946"/>
+      </p:ext>
+    </p:extLst>
+  </p:cSld>
+  <p:clrMapOvr>
+    <a:masterClrMapping/>
+  </p:clrMapOvr>
+</p:notes>
+</file>
+
+<file path=ppt/notesSlides/notesSlide13.xml><?xml version="1.0" encoding="utf-8"?>
+<p:notes xmlns:a="http://schemas.openxmlformats.org/drawingml/2006/main" xmlns:r="http://schemas.openxmlformats.org/officeDocument/2006/relationships" xmlns:p="http://schemas.openxmlformats.org/presentationml/2006/main">
+  <p:cSld>
+    <p:spTree>
+      <p:nvGrpSpPr>
+        <p:cNvPr id="1" name=""/>
+        <p:cNvGrpSpPr/>
+        <p:nvPr/>
+      </p:nvGrpSpPr>
+      <p:grpSpPr>
+        <a:xfrm>
+          <a:off x="0" y="0"/>
+          <a:ext cx="0" cy="0"/>
+          <a:chOff x="0" y="0"/>
+          <a:chExt cx="0" cy="0"/>
+        </a:xfrm>
+      </p:grpSpPr>
+      <p:sp>
+        <p:nvSpPr>
+          <p:cNvPr id="2" name="Slide Image Placeholder 1"/>
+          <p:cNvSpPr>
+            <a:spLocks noGrp="1" noRot="1" noChangeAspect="1"/>
+          </p:cNvSpPr>
+          <p:nvPr>
+            <p:ph type="sldImg"/>
+          </p:nvPr>
+        </p:nvSpPr>
+        <p:spPr/>
+      </p:sp>
+      <p:sp>
+        <p:nvSpPr>
+          <p:cNvPr id="3" name="Notes Placeholder 2"/>
+          <p:cNvSpPr>
+            <a:spLocks noGrp="1"/>
+          </p:cNvSpPr>
+          <p:nvPr>
+            <p:ph type="body" idx="1"/>
+          </p:nvPr>
+        </p:nvSpPr>
+        <p:spPr/>
+        <p:txBody>
+          <a:bodyPr/>
+          <a:lstStyle/>
+          <a:p>
+            <a:pPr marL="0" marR="0" lvl="0" indent="0" algn="l" defTabSz="457200" rtl="0" eaLnBrk="1" fontAlgn="auto" latinLnBrk="0" hangingPunct="1">
+              <a:lnSpc>
+                <a:spcPct val="100000"/>
+              </a:lnSpc>
+              <a:spcBef>
+                <a:spcPts val="0"/>
+              </a:spcBef>
+              <a:spcAft>
+                <a:spcPts val="0"/>
+              </a:spcAft>
+              <a:buClrTx/>
+              <a:buSzTx/>
+              <a:buFontTx/>
+              <a:buNone/>
+              <a:tabLst/>
+              <a:defRPr/>
+            </a:pPr>
             <a:endParaRPr lang="en-US" dirty="0"/>
           </a:p>
         </p:txBody>
@@ -810,7 +978,100 @@
 </p:notes>
 </file>
 
-<file path=ppt/notesSlides/notesSlide12.xml><?xml version="1.0" encoding="utf-8"?>
+<file path=ppt/notesSlides/notesSlide14.xml><?xml version="1.0" encoding="utf-8"?>
+<p:notes xmlns:a="http://schemas.openxmlformats.org/drawingml/2006/main" xmlns:r="http://schemas.openxmlformats.org/officeDocument/2006/relationships" xmlns:p="http://schemas.openxmlformats.org/presentationml/2006/main">
+  <p:cSld>
+    <p:spTree>
+      <p:nvGrpSpPr>
+        <p:cNvPr id="1" name=""/>
+        <p:cNvGrpSpPr/>
+        <p:nvPr/>
+      </p:nvGrpSpPr>
+      <p:grpSpPr>
+        <a:xfrm>
+          <a:off x="0" y="0"/>
+          <a:ext cx="0" cy="0"/>
+          <a:chOff x="0" y="0"/>
+          <a:chExt cx="0" cy="0"/>
+        </a:xfrm>
+      </p:grpSpPr>
+      <p:sp>
+        <p:nvSpPr>
+          <p:cNvPr id="2" name="Slide Image Placeholder 1"/>
+          <p:cNvSpPr>
+            <a:spLocks noGrp="1" noRot="1" noChangeAspect="1"/>
+          </p:cNvSpPr>
+          <p:nvPr>
+            <p:ph type="sldImg"/>
+          </p:nvPr>
+        </p:nvSpPr>
+        <p:spPr/>
+      </p:sp>
+      <p:sp>
+        <p:nvSpPr>
+          <p:cNvPr id="3" name="Notes Placeholder 2"/>
+          <p:cNvSpPr>
+            <a:spLocks noGrp="1"/>
+          </p:cNvSpPr>
+          <p:nvPr>
+            <p:ph type="body" idx="1"/>
+          </p:nvPr>
+        </p:nvSpPr>
+        <p:spPr/>
+        <p:txBody>
+          <a:bodyPr/>
+          <a:lstStyle/>
+          <a:p>
+            <a:r>
+              <a:rPr lang="en-US" dirty="0"/>
+              <a:t>We can’t completely get rid of [remove] in those last two equations, but we can ensure it’s applied to a smaller input.</a:t>
+            </a:r>
+          </a:p>
+          <a:p>
+            <a:r>
+              <a:rPr lang="en-US" dirty="0"/>
+              <a:t>Recursively, eventually that means it could get down to [empty].</a:t>
+            </a:r>
+          </a:p>
+        </p:txBody>
+      </p:sp>
+      <p:sp>
+        <p:nvSpPr>
+          <p:cNvPr id="4" name="Slide Number Placeholder 3"/>
+          <p:cNvSpPr>
+            <a:spLocks noGrp="1"/>
+          </p:cNvSpPr>
+          <p:nvPr>
+            <p:ph type="sldNum" sz="quarter" idx="5"/>
+          </p:nvPr>
+        </p:nvSpPr>
+        <p:spPr/>
+        <p:txBody>
+          <a:bodyPr/>
+          <a:lstStyle/>
+          <a:p>
+            <a:fld id="{B7975FD5-AB21-4C45-BFE8-1D3F02B463E2}" type="slidenum">
+              <a:rPr lang="en-US" smtClean="0"/>
+              <a:t>31</a:t>
+            </a:fld>
+            <a:endParaRPr lang="en-US"/>
+          </a:p>
+        </p:txBody>
+      </p:sp>
+    </p:spTree>
+    <p:extLst>
+      <p:ext uri="{BB962C8B-B14F-4D97-AF65-F5344CB8AC3E}">
+        <p14:creationId xmlns:p14="http://schemas.microsoft.com/office/powerpoint/2010/main" val="871922527"/>
+      </p:ext>
+    </p:extLst>
+  </p:cSld>
+  <p:clrMapOvr>
+    <a:masterClrMapping/>
+  </p:clrMapOvr>
+</p:notes>
+</file>
+
+<file path=ppt/notesSlides/notesSlide15.xml><?xml version="1.0" encoding="utf-8"?>
 <p:notes xmlns:a="http://schemas.openxmlformats.org/drawingml/2006/main" xmlns:r="http://schemas.openxmlformats.org/officeDocument/2006/relationships" xmlns:p="http://schemas.openxmlformats.org/presentationml/2006/main">
   <p:cSld>
     <p:spTree>
@@ -1483,7 +1744,10 @@
           <a:bodyPr/>
           <a:lstStyle/>
           <a:p>
-            <a:endParaRPr lang="en-US" dirty="0"/>
+            <a:r>
+              <a:rPr lang="en-US" dirty="0"/>
+              <a:t>We won’t do the proofs here in class, but let me highlight two interesting features you’re going to discover when you study them.</a:t>
+            </a:r>
           </a:p>
         </p:txBody>
       </p:sp>
@@ -1504,7 +1768,7 @@
           <a:p>
             <a:fld id="{B7975FD5-AB21-4C45-BFE8-1D3F02B463E2}" type="slidenum">
               <a:rPr lang="en-US" smtClean="0"/>
-              <a:t>23</a:t>
+              <a:t>17</a:t>
             </a:fld>
             <a:endParaRPr lang="en-US"/>
           </a:p>
@@ -1513,7 +1777,7 @@
     </p:spTree>
     <p:extLst>
       <p:ext uri="{BB962C8B-B14F-4D97-AF65-F5344CB8AC3E}">
-        <p14:creationId xmlns:p14="http://schemas.microsoft.com/office/powerpoint/2010/main" val="1880941620"/>
+        <p14:creationId xmlns:p14="http://schemas.microsoft.com/office/powerpoint/2010/main" val="335275457"/>
       </p:ext>
     </p:extLst>
   </p:cSld>
@@ -1567,6 +1831,126 @@
           <a:bodyPr/>
           <a:lstStyle/>
           <a:p>
+            <a:pPr marL="0" marR="0" lvl="0" indent="0" algn="l" defTabSz="457200" rtl="0" eaLnBrk="1" fontAlgn="auto" latinLnBrk="0" hangingPunct="1">
+              <a:lnSpc>
+                <a:spcPct val="100000"/>
+              </a:lnSpc>
+              <a:spcBef>
+                <a:spcPts val="0"/>
+              </a:spcBef>
+              <a:spcAft>
+                <a:spcPts val="0"/>
+              </a:spcAft>
+              <a:buClrTx/>
+              <a:buSzTx/>
+              <a:buFontTx/>
+              <a:buNone/>
+              <a:tabLst/>
+              <a:defRPr/>
+            </a:pPr>
+            <a:r>
+              <a:rPr lang="en-US" dirty="0"/>
+              <a:t>(rev f, [x]) and  (rev (x :: f), []) are obviously different </a:t>
+            </a:r>
+            <a:r>
+              <a:rPr lang="en-US" dirty="0" err="1"/>
+              <a:t>OCaml</a:t>
+            </a:r>
+            <a:r>
+              <a:rPr lang="en-US" dirty="0"/>
+              <a:t> values.</a:t>
+            </a:r>
+          </a:p>
+          <a:p>
+            <a:pPr marL="0" marR="0" lvl="0" indent="0" algn="l" defTabSz="457200" rtl="0" eaLnBrk="1" fontAlgn="auto" latinLnBrk="0" hangingPunct="1">
+              <a:lnSpc>
+                <a:spcPct val="100000"/>
+              </a:lnSpc>
+              <a:spcBef>
+                <a:spcPts val="0"/>
+              </a:spcBef>
+              <a:spcAft>
+                <a:spcPts val="0"/>
+              </a:spcAft>
+              <a:buClrTx/>
+              <a:buSzTx/>
+              <a:buFontTx/>
+              <a:buNone/>
+              <a:tabLst/>
+              <a:defRPr/>
+            </a:pPr>
+            <a:r>
+              <a:rPr lang="en-US" dirty="0"/>
+              <a:t>But, they represent the same queue.</a:t>
+            </a:r>
+          </a:p>
+          <a:p>
+            <a:pPr marL="0" marR="0" lvl="0" indent="0" algn="l" defTabSz="457200" rtl="0" eaLnBrk="1" fontAlgn="auto" latinLnBrk="0" hangingPunct="1">
+              <a:lnSpc>
+                <a:spcPct val="100000"/>
+              </a:lnSpc>
+              <a:spcBef>
+                <a:spcPts val="0"/>
+              </a:spcBef>
+              <a:spcAft>
+                <a:spcPts val="0"/>
+              </a:spcAft>
+              <a:buClrTx/>
+              <a:buSzTx/>
+              <a:buFontTx/>
+              <a:buNone/>
+              <a:tabLst/>
+              <a:defRPr/>
+            </a:pPr>
+            <a:r>
+              <a:rPr lang="en-US" dirty="0"/>
+              <a:t>So we extend our notion of equality to let us substitute one for the other</a:t>
+            </a:r>
+          </a:p>
+          <a:p>
+            <a:pPr marL="0" marR="0" lvl="0" indent="0" algn="l" defTabSz="457200" rtl="0" eaLnBrk="1" fontAlgn="auto" latinLnBrk="0" hangingPunct="1">
+              <a:lnSpc>
+                <a:spcPct val="100000"/>
+              </a:lnSpc>
+              <a:spcBef>
+                <a:spcPts val="0"/>
+              </a:spcBef>
+              <a:spcAft>
+                <a:spcPts val="0"/>
+              </a:spcAft>
+              <a:buClrTx/>
+              <a:buSzTx/>
+              <a:buFontTx/>
+              <a:buNone/>
+              <a:tabLst/>
+              <a:defRPr/>
+            </a:pPr>
+            <a:endParaRPr lang="en-US" dirty="0"/>
+          </a:p>
+          <a:p>
+            <a:pPr marL="0" marR="0" lvl="0" indent="0" algn="l" defTabSz="457200" rtl="0" eaLnBrk="1" fontAlgn="auto" latinLnBrk="0" hangingPunct="1">
+              <a:lnSpc>
+                <a:spcPct val="100000"/>
+              </a:lnSpc>
+              <a:spcBef>
+                <a:spcPts val="0"/>
+              </a:spcBef>
+              <a:spcAft>
+                <a:spcPts val="0"/>
+              </a:spcAft>
+              <a:buClrTx/>
+              <a:buSzTx/>
+              <a:buFontTx/>
+              <a:buNone/>
+              <a:tabLst/>
+              <a:defRPr/>
+            </a:pPr>
+            <a:r>
+              <a:rPr lang="en-US" dirty="0"/>
+              <a:t>The ”e.g.” above of course is not a careful proof; it’s just a demonstration.</a:t>
+            </a:r>
+          </a:p>
+          <a:p>
             <a:endParaRPr lang="en-US" dirty="0"/>
           </a:p>
         </p:txBody>
@@ -1588,7 +1972,7 @@
           <a:p>
             <a:fld id="{B7975FD5-AB21-4C45-BFE8-1D3F02B463E2}" type="slidenum">
               <a:rPr lang="en-US" smtClean="0"/>
-              <a:t>24</a:t>
+              <a:t>19</a:t>
             </a:fld>
             <a:endParaRPr lang="en-US"/>
           </a:p>
@@ -1597,7 +1981,7 @@
     </p:spTree>
     <p:extLst>
       <p:ext uri="{BB962C8B-B14F-4D97-AF65-F5344CB8AC3E}">
-        <p14:creationId xmlns:p14="http://schemas.microsoft.com/office/powerpoint/2010/main" val="2593730393"/>
+        <p14:creationId xmlns:p14="http://schemas.microsoft.com/office/powerpoint/2010/main" val="3676686429"/>
       </p:ext>
     </p:extLst>
   </p:cSld>
@@ -1759,7 +2143,7 @@
           <a:p>
             <a:fld id="{96331252-4874-F047-84B8-3D3EF8743E79}" type="datetimeFigureOut">
               <a:rPr lang="en-US" smtClean="0"/>
-              <a:t>11/18/19</a:t>
+              <a:t>11/19/19</a:t>
             </a:fld>
             <a:endParaRPr lang="en-US"/>
           </a:p>
@@ -2026,7 +2410,7 @@
           <a:p>
             <a:fld id="{96331252-4874-F047-84B8-3D3EF8743E79}" type="datetimeFigureOut">
               <a:rPr lang="en-US" smtClean="0"/>
-              <a:t>11/18/19</a:t>
+              <a:t>11/19/19</a:t>
             </a:fld>
             <a:endParaRPr lang="en-US"/>
           </a:p>
@@ -2204,7 +2588,7 @@
           <a:p>
             <a:fld id="{96331252-4874-F047-84B8-3D3EF8743E79}" type="datetimeFigureOut">
               <a:rPr lang="en-US" smtClean="0"/>
-              <a:t>11/18/19</a:t>
+              <a:t>11/19/19</a:t>
             </a:fld>
             <a:endParaRPr lang="en-US"/>
           </a:p>
@@ -2372,7 +2756,7 @@
           <a:p>
             <a:fld id="{96331252-4874-F047-84B8-3D3EF8743E79}" type="datetimeFigureOut">
               <a:rPr lang="en-US" smtClean="0"/>
-              <a:t>11/18/19</a:t>
+              <a:t>11/19/19</a:t>
             </a:fld>
             <a:endParaRPr lang="en-US"/>
           </a:p>
@@ -2617,7 +3001,7 @@
           <a:p>
             <a:fld id="{96331252-4874-F047-84B8-3D3EF8743E79}" type="datetimeFigureOut">
               <a:rPr lang="en-US" smtClean="0"/>
-              <a:t>11/18/19</a:t>
+              <a:t>11/19/19</a:t>
             </a:fld>
             <a:endParaRPr lang="en-US"/>
           </a:p>
@@ -2902,7 +3286,7 @@
           <a:p>
             <a:fld id="{96331252-4874-F047-84B8-3D3EF8743E79}" type="datetimeFigureOut">
               <a:rPr lang="en-US" smtClean="0"/>
-              <a:t>11/18/19</a:t>
+              <a:t>11/19/19</a:t>
             </a:fld>
             <a:endParaRPr lang="en-US"/>
           </a:p>
@@ -3321,7 +3705,7 @@
           <a:p>
             <a:fld id="{96331252-4874-F047-84B8-3D3EF8743E79}" type="datetimeFigureOut">
               <a:rPr lang="en-US" smtClean="0"/>
-              <a:t>11/18/19</a:t>
+              <a:t>11/19/19</a:t>
             </a:fld>
             <a:endParaRPr lang="en-US"/>
           </a:p>
@@ -3438,7 +3822,7 @@
           <a:p>
             <a:fld id="{96331252-4874-F047-84B8-3D3EF8743E79}" type="datetimeFigureOut">
               <a:rPr lang="en-US" smtClean="0"/>
-              <a:t>11/18/19</a:t>
+              <a:t>11/19/19</a:t>
             </a:fld>
             <a:endParaRPr lang="en-US"/>
           </a:p>
@@ -3533,7 +3917,7 @@
           <a:p>
             <a:fld id="{96331252-4874-F047-84B8-3D3EF8743E79}" type="datetimeFigureOut">
               <a:rPr lang="en-US" smtClean="0"/>
-              <a:t>11/18/19</a:t>
+              <a:t>11/19/19</a:t>
             </a:fld>
             <a:endParaRPr lang="en-US"/>
           </a:p>
@@ -3808,7 +4192,7 @@
           <a:p>
             <a:fld id="{96331252-4874-F047-84B8-3D3EF8743E79}" type="datetimeFigureOut">
               <a:rPr lang="en-US" smtClean="0"/>
-              <a:t>11/18/19</a:t>
+              <a:t>11/19/19</a:t>
             </a:fld>
             <a:endParaRPr lang="en-US"/>
           </a:p>
@@ -4060,7 +4444,7 @@
           <a:p>
             <a:fld id="{96331252-4874-F047-84B8-3D3EF8743E79}" type="datetimeFigureOut">
               <a:rPr lang="en-US" smtClean="0"/>
-              <a:t>11/18/19</a:t>
+              <a:t>11/19/19</a:t>
             </a:fld>
             <a:endParaRPr lang="en-US"/>
           </a:p>
@@ -4274,7 +4658,7 @@
             <a:fld id="{96331252-4874-F047-84B8-3D3EF8743E79}" type="datetimeFigureOut">
               <a:rPr lang="en-US" smtClean="0"/>
               <a:pPr/>
-              <a:t>11/18/19</a:t>
+              <a:t>11/19/19</a:t>
             </a:fld>
             <a:endParaRPr lang="en-US"/>
           </a:p>
@@ -10475,7 +10859,11 @@
               <a:buNone/>
             </a:pPr>
             <a:r>
-              <a:rPr lang="en-US" dirty="0"/>
+              <a:rPr lang="en-US" dirty="0">
+                <a:solidFill>
+                  <a:schemeClr val="accent6"/>
+                </a:solidFill>
+              </a:rPr>
               <a:t>RI is a precondition for every operation.  </a:t>
             </a:r>
           </a:p>
@@ -10901,7 +11289,7 @@
         <p:spPr/>
         <p:txBody>
           <a:bodyPr>
-            <a:normAutofit fontScale="85000" lnSpcReduction="20000"/>
+            <a:normAutofit fontScale="92500" lnSpcReduction="20000"/>
           </a:bodyPr>
           <a:lstStyle/>
           <a:p>
@@ -10919,7 +11307,11 @@
               <a:rPr lang="en-US" dirty="0"/>
             </a:br>
             <a:r>
-              <a:rPr lang="en-US" dirty="0"/>
+              <a:rPr lang="en-US" dirty="0">
+                <a:solidFill>
+                  <a:schemeClr val="accent6"/>
+                </a:solidFill>
+              </a:rPr>
               <a:t>if AF(e) = AF(e’) then e = e’</a:t>
             </a:r>
             <a:br>
@@ -10930,32 +11322,31 @@
             </a:br>
             <a:r>
               <a:rPr lang="en-US" dirty="0"/>
-              <a:t>e.g., </a:t>
-            </a:r>
-            <a:br>
+              <a:t>In proof we end up needing that</a:t>
+            </a:r>
+          </a:p>
+          <a:p>
+            <a:pPr marL="0" indent="0">
+              <a:buNone/>
+            </a:pPr>
+            <a:r>
               <a:rPr lang="en-US" dirty="0"/>
-            </a:br>
-            <a:r>
-              <a:rPr lang="en-US" dirty="0"/>
-              <a:t>AF(rev f, [x]) </a:t>
+              <a:t>(rev f, [x]) = (rev (x :: f), [])</a:t>
             </a:r>
           </a:p>
           <a:p>
             <a:pPr marL="0" indent="0">
               <a:buNone/>
             </a:pPr>
-            <a:r>
-              <a:rPr lang="en-US" dirty="0"/>
-              <a:t>= (rev f) @ [x] </a:t>
-            </a:r>
+            <a:endParaRPr lang="en-US" dirty="0"/>
           </a:p>
           <a:p>
             <a:pPr marL="0" indent="0">
               <a:buNone/>
             </a:pPr>
             <a:r>
-              <a:rPr lang="en-US" dirty="0"/>
-              <a:t>= rev (x :: f) @ [] </a:t>
+              <a:rPr lang="en-US" sz="2800" dirty="0"/>
+              <a:t>e.g.,</a:t>
             </a:r>
           </a:p>
           <a:p>
@@ -10963,25 +11354,82 @@
               <a:buNone/>
             </a:pPr>
             <a:r>
-              <a:rPr lang="en-US" dirty="0"/>
-              <a:t>= AF(rev (x :: f), [])</a:t>
+              <a:rPr lang="en-US" sz="2800" dirty="0"/>
+              <a:t>AF(rev [1;2;3], [4]) = (rev [1;2;3]) @ (rev [4]) = [3;2;1;4]</a:t>
             </a:r>
           </a:p>
           <a:p>
             <a:pPr marL="0" indent="0">
               <a:buNone/>
             </a:pPr>
-            <a:br>
-              <a:rPr lang="en-US" dirty="0"/>
-            </a:br>
-            <a:r>
-              <a:rPr lang="en-US" dirty="0"/>
-              <a:t>so (ref f, [x]) = (rev (x :: f), [])</a:t>
-            </a:r>
-          </a:p>
-          <a:p>
-            <a:pPr lvl="1"/>
-            <a:endParaRPr lang="en-US" dirty="0"/>
+            <a:r>
+              <a:rPr lang="en-US" sz="2800" dirty="0"/>
+              <a:t>AF(rev (4 :: [1;2;3]), []) = (rev (4 :: [1;2;3])) @ (rev []) = [3;2;1;4]</a:t>
+            </a:r>
+          </a:p>
+        </p:txBody>
+      </p:sp>
+      <p:sp>
+        <p:nvSpPr>
+          <p:cNvPr id="4" name="Rounded Rectangular Callout 3">
+            <a:extLst>
+              <a:ext uri="{FF2B5EF4-FFF2-40B4-BE49-F238E27FC236}">
+                <a16:creationId xmlns:a16="http://schemas.microsoft.com/office/drawing/2014/main" id="{A3243841-8B24-004A-9474-0C2B6C596811}"/>
+              </a:ext>
+            </a:extLst>
+          </p:cNvPr>
+          <p:cNvSpPr/>
+          <p:nvPr/>
+        </p:nvSpPr>
+        <p:spPr>
+          <a:xfrm>
+            <a:off x="6530340" y="2678017"/>
+            <a:ext cx="2450592" cy="1157383"/>
+          </a:xfrm>
+          <a:prstGeom prst="wedgeRoundRectCallout">
+            <a:avLst>
+              <a:gd name="adj1" fmla="val -125932"/>
+              <a:gd name="adj2" fmla="val -30153"/>
+              <a:gd name="adj3" fmla="val 16667"/>
+            </a:avLst>
+          </a:prstGeom>
+          <a:solidFill>
+            <a:schemeClr val="tx2">
+              <a:lumMod val="40000"/>
+              <a:lumOff val="60000"/>
+            </a:schemeClr>
+          </a:solidFill>
+          <a:ln>
+            <a:noFill/>
+          </a:ln>
+          <a:effectLst/>
+        </p:spPr>
+        <p:style>
+          <a:lnRef idx="1">
+            <a:schemeClr val="accent1"/>
+          </a:lnRef>
+          <a:fillRef idx="3">
+            <a:schemeClr val="accent1"/>
+          </a:fillRef>
+          <a:effectRef idx="2">
+            <a:schemeClr val="accent1"/>
+          </a:effectRef>
+          <a:fontRef idx="minor">
+            <a:schemeClr val="lt1"/>
+          </a:fontRef>
+        </p:style>
+        <p:txBody>
+          <a:bodyPr rtlCol="0" anchor="ctr"/>
+          <a:lstStyle/>
+          <a:p>
+            <a:pPr algn="ctr"/>
+            <a:r>
+              <a:rPr lang="en-US" sz="2400" dirty="0">
+                <a:latin typeface="CronosPro-Regular"/>
+                <a:cs typeface="CronosPro-Regular"/>
+              </a:rPr>
+              <a:t>Extends our notion of equality</a:t>
+            </a:r>
           </a:p>
         </p:txBody>
       </p:sp>
@@ -10995,6 +11443,213 @@
   <p:clrMapOvr>
     <a:masterClrMapping/>
   </p:clrMapOvr>
+  <p:timing>
+    <p:tnLst>
+      <p:par>
+        <p:cTn id="1" dur="indefinite" restart="never" nodeType="tmRoot">
+          <p:childTnLst>
+            <p:seq concurrent="1" nextAc="seek">
+              <p:cTn id="2" dur="indefinite" nodeType="mainSeq">
+                <p:childTnLst>
+                  <p:par>
+                    <p:cTn id="3" fill="hold">
+                      <p:stCondLst>
+                        <p:cond delay="indefinite"/>
+                      </p:stCondLst>
+                      <p:childTnLst>
+                        <p:par>
+                          <p:cTn id="4" fill="hold">
+                            <p:stCondLst>
+                              <p:cond delay="0"/>
+                            </p:stCondLst>
+                            <p:childTnLst>
+                              <p:par>
+                                <p:cTn id="5" presetID="1" presetClass="entr" presetSubtype="0" fill="hold" nodeType="clickEffect">
+                                  <p:stCondLst>
+                                    <p:cond delay="0"/>
+                                  </p:stCondLst>
+                                  <p:childTnLst>
+                                    <p:set>
+                                      <p:cBhvr>
+                                        <p:cTn id="6" dur="1" fill="hold">
+                                          <p:stCondLst>
+                                            <p:cond delay="0"/>
+                                          </p:stCondLst>
+                                        </p:cTn>
+                                        <p:tgtEl>
+                                          <p:spTgt spid="3">
+                                            <p:txEl>
+                                              <p:pRg st="3" end="3"/>
+                                            </p:txEl>
+                                          </p:spTgt>
+                                        </p:tgtEl>
+                                        <p:attrNameLst>
+                                          <p:attrName>style.visibility</p:attrName>
+                                        </p:attrNameLst>
+                                      </p:cBhvr>
+                                      <p:to>
+                                        <p:strVal val="visible"/>
+                                      </p:to>
+                                    </p:set>
+                                  </p:childTnLst>
+                                </p:cTn>
+                              </p:par>
+                              <p:par>
+                                <p:cTn id="7" presetID="1" presetClass="entr" presetSubtype="0" fill="hold" nodeType="withEffect">
+                                  <p:stCondLst>
+                                    <p:cond delay="0"/>
+                                  </p:stCondLst>
+                                  <p:childTnLst>
+                                    <p:set>
+                                      <p:cBhvr>
+                                        <p:cTn id="8" dur="1" fill="hold">
+                                          <p:stCondLst>
+                                            <p:cond delay="0"/>
+                                          </p:stCondLst>
+                                        </p:cTn>
+                                        <p:tgtEl>
+                                          <p:spTgt spid="3">
+                                            <p:txEl>
+                                              <p:pRg st="4" end="4"/>
+                                            </p:txEl>
+                                          </p:spTgt>
+                                        </p:tgtEl>
+                                        <p:attrNameLst>
+                                          <p:attrName>style.visibility</p:attrName>
+                                        </p:attrNameLst>
+                                      </p:cBhvr>
+                                      <p:to>
+                                        <p:strVal val="visible"/>
+                                      </p:to>
+                                    </p:set>
+                                  </p:childTnLst>
+                                </p:cTn>
+                              </p:par>
+                            </p:childTnLst>
+                          </p:cTn>
+                        </p:par>
+                      </p:childTnLst>
+                    </p:cTn>
+                  </p:par>
+                  <p:par>
+                    <p:cTn id="9" fill="hold">
+                      <p:stCondLst>
+                        <p:cond delay="indefinite"/>
+                      </p:stCondLst>
+                      <p:childTnLst>
+                        <p:par>
+                          <p:cTn id="10" fill="hold">
+                            <p:stCondLst>
+                              <p:cond delay="0"/>
+                            </p:stCondLst>
+                            <p:childTnLst>
+                              <p:par>
+                                <p:cTn id="11" presetID="1" presetClass="entr" presetSubtype="0" fill="hold" nodeType="clickEffect">
+                                  <p:stCondLst>
+                                    <p:cond delay="0"/>
+                                  </p:stCondLst>
+                                  <p:childTnLst>
+                                    <p:set>
+                                      <p:cBhvr>
+                                        <p:cTn id="12" dur="1" fill="hold">
+                                          <p:stCondLst>
+                                            <p:cond delay="0"/>
+                                          </p:stCondLst>
+                                        </p:cTn>
+                                        <p:tgtEl>
+                                          <p:spTgt spid="3">
+                                            <p:txEl>
+                                              <p:pRg st="5" end="5"/>
+                                            </p:txEl>
+                                          </p:spTgt>
+                                        </p:tgtEl>
+                                        <p:attrNameLst>
+                                          <p:attrName>style.visibility</p:attrName>
+                                        </p:attrNameLst>
+                                      </p:cBhvr>
+                                      <p:to>
+                                        <p:strVal val="visible"/>
+                                      </p:to>
+                                    </p:set>
+                                  </p:childTnLst>
+                                </p:cTn>
+                              </p:par>
+                            </p:childTnLst>
+                          </p:cTn>
+                        </p:par>
+                      </p:childTnLst>
+                    </p:cTn>
+                  </p:par>
+                  <p:par>
+                    <p:cTn id="13" fill="hold">
+                      <p:stCondLst>
+                        <p:cond delay="indefinite"/>
+                      </p:stCondLst>
+                      <p:childTnLst>
+                        <p:par>
+                          <p:cTn id="14" fill="hold">
+                            <p:stCondLst>
+                              <p:cond delay="0"/>
+                            </p:stCondLst>
+                            <p:childTnLst>
+                              <p:par>
+                                <p:cTn id="15" presetID="1" presetClass="entr" presetSubtype="0" fill="hold" grpId="0" nodeType="clickEffect">
+                                  <p:stCondLst>
+                                    <p:cond delay="0"/>
+                                  </p:stCondLst>
+                                  <p:childTnLst>
+                                    <p:set>
+                                      <p:cBhvr>
+                                        <p:cTn id="16" dur="1" fill="hold">
+                                          <p:stCondLst>
+                                            <p:cond delay="0"/>
+                                          </p:stCondLst>
+                                        </p:cTn>
+                                        <p:tgtEl>
+                                          <p:spTgt spid="4"/>
+                                        </p:tgtEl>
+                                        <p:attrNameLst>
+                                          <p:attrName>style.visibility</p:attrName>
+                                        </p:attrNameLst>
+                                      </p:cBhvr>
+                                      <p:to>
+                                        <p:strVal val="visible"/>
+                                      </p:to>
+                                    </p:set>
+                                  </p:childTnLst>
+                                </p:cTn>
+                              </p:par>
+                            </p:childTnLst>
+                          </p:cTn>
+                        </p:par>
+                      </p:childTnLst>
+                    </p:cTn>
+                  </p:par>
+                </p:childTnLst>
+              </p:cTn>
+              <p:prevCondLst>
+                <p:cond evt="onPrev" delay="0">
+                  <p:tgtEl>
+                    <p:sldTgt/>
+                  </p:tgtEl>
+                </p:cond>
+              </p:prevCondLst>
+              <p:nextCondLst>
+                <p:cond evt="onNext" delay="0">
+                  <p:tgtEl>
+                    <p:sldTgt/>
+                  </p:tgtEl>
+                </p:cond>
+              </p:nextCondLst>
+            </p:seq>
+          </p:childTnLst>
+        </p:cTn>
+      </p:par>
+    </p:tnLst>
+    <p:bldLst>
+      <p:bldP spid="4" grpId="0" animBg="1"/>
+    </p:bldLst>
+  </p:timing>
 </p:sld>
 </file>
 
@@ -11100,10 +11755,10 @@
       </p:grpSpPr>
       <p:sp>
         <p:nvSpPr>
-          <p:cNvPr id="2" name="Title 1">
+          <p:cNvPr id="4" name="Title 3">
             <a:extLst>
               <a:ext uri="{FF2B5EF4-FFF2-40B4-BE49-F238E27FC236}">
-                <a16:creationId xmlns:a16="http://schemas.microsoft.com/office/drawing/2014/main" id="{2B3DBA87-92A7-F446-BC41-830F66052D33}"/>
+                <a16:creationId xmlns:a16="http://schemas.microsoft.com/office/drawing/2014/main" id="{463BBB04-BCE0-B443-83D2-FC80BAF73D8C}"/>
               </a:ext>
             </a:extLst>
           </p:cNvPr>
@@ -11120,18 +11775,18 @@
           <a:lstStyle/>
           <a:p>
             <a:r>
-              <a:rPr lang="en-US" dirty="0"/>
-              <a:t>Designing Equations</a:t>
+              <a:rPr lang="en-US"/>
+              <a:t>Clicker Question 2</a:t>
             </a:r>
           </a:p>
         </p:txBody>
       </p:sp>
       <p:sp>
         <p:nvSpPr>
-          <p:cNvPr id="3" name="Text Placeholder 2">
+          <p:cNvPr id="5" name="Text Placeholder 4">
             <a:extLst>
               <a:ext uri="{FF2B5EF4-FFF2-40B4-BE49-F238E27FC236}">
-                <a16:creationId xmlns:a16="http://schemas.microsoft.com/office/drawing/2014/main" id="{C4625BE1-F6C2-0549-B4DB-85C4AAEB6C7D}"/>
+                <a16:creationId xmlns:a16="http://schemas.microsoft.com/office/drawing/2014/main" id="{F47F29D2-6A5B-0F41-8219-1DE4D9CCA874}"/>
               </a:ext>
             </a:extLst>
           </p:cNvPr>
@@ -11154,7 +11809,7 @@
     </p:spTree>
     <p:extLst>
       <p:ext uri="{BB962C8B-B14F-4D97-AF65-F5344CB8AC3E}">
-        <p14:creationId xmlns:p14="http://schemas.microsoft.com/office/powerpoint/2010/main" val="875474605"/>
+        <p14:creationId xmlns:p14="http://schemas.microsoft.com/office/powerpoint/2010/main" val="1331148129"/>
       </p:ext>
     </p:extLst>
   </p:cSld>
@@ -11183,10 +11838,10 @@
       </p:grpSpPr>
       <p:sp>
         <p:nvSpPr>
-          <p:cNvPr id="4" name="Title 3">
+          <p:cNvPr id="2" name="Title 1">
             <a:extLst>
               <a:ext uri="{FF2B5EF4-FFF2-40B4-BE49-F238E27FC236}">
-                <a16:creationId xmlns:a16="http://schemas.microsoft.com/office/drawing/2014/main" id="{F88BD790-3D4D-244B-A634-BED9AEEF2F8A}"/>
+                <a16:creationId xmlns:a16="http://schemas.microsoft.com/office/drawing/2014/main" id="{2B3DBA87-92A7-F446-BC41-830F66052D33}"/>
               </a:ext>
             </a:extLst>
           </p:cNvPr>
@@ -11204,17 +11859,17 @@
           <a:p>
             <a:r>
               <a:rPr lang="en-US" dirty="0"/>
-              <a:t>Canonical form</a:t>
+              <a:t>Designing Equations</a:t>
             </a:r>
           </a:p>
         </p:txBody>
       </p:sp>
       <p:sp>
         <p:nvSpPr>
-          <p:cNvPr id="5" name="Content Placeholder 4">
+          <p:cNvPr id="3" name="Text Placeholder 2">
             <a:extLst>
               <a:ext uri="{FF2B5EF4-FFF2-40B4-BE49-F238E27FC236}">
-                <a16:creationId xmlns:a16="http://schemas.microsoft.com/office/drawing/2014/main" id="{08B04B45-502E-6242-9C99-F92B6E9B5574}"/>
+                <a16:creationId xmlns:a16="http://schemas.microsoft.com/office/drawing/2014/main" id="{C4625BE1-F6C2-0549-B4DB-85C4AAEB6C7D}"/>
               </a:ext>
             </a:extLst>
           </p:cNvPr>
@@ -11222,7 +11877,7 @@
             <a:spLocks noGrp="1"/>
           </p:cNvSpPr>
           <p:nvPr>
-            <p:ph idx="1"/>
+            <p:ph type="body" idx="1"/>
           </p:nvPr>
         </p:nvSpPr>
         <p:spPr/>
@@ -11230,134 +11885,14 @@
           <a:bodyPr/>
           <a:lstStyle/>
           <a:p>
-            <a:pPr marL="0" indent="0">
-              <a:buNone/>
-            </a:pPr>
-            <a:r>
-              <a:rPr lang="en-US" i="1" dirty="0">
-                <a:latin typeface="Cronos Pro" panose="020C0502030403020304" pitchFamily="34" charset="77"/>
-              </a:rPr>
-              <a:t>canonical: </a:t>
-            </a:r>
-            <a:r>
-              <a:rPr lang="en-US" dirty="0"/>
-              <a:t>conforming to some rule</a:t>
-            </a:r>
-          </a:p>
-          <a:p>
-            <a:pPr marL="0" indent="0">
-              <a:buNone/>
-            </a:pPr>
-            <a:endParaRPr lang="en-US" dirty="0"/>
-          </a:p>
-          <a:p>
-            <a:pPr marL="0" indent="0">
-              <a:buNone/>
-            </a:pPr>
-            <a:r>
-              <a:rPr lang="en-US" dirty="0"/>
-              <a:t>Only build up structure</a:t>
-            </a:r>
-          </a:p>
-          <a:p>
-            <a:r>
-              <a:rPr lang="en-US" dirty="0"/>
-              <a:t>Not canonical:  </a:t>
-            </a:r>
-            <a:r>
-              <a:rPr lang="en-US" dirty="0">
-                <a:solidFill>
-                  <a:schemeClr val="accent2"/>
-                </a:solidFill>
-              </a:rPr>
-              <a:t>pop</a:t>
-            </a:r>
-            <a:r>
-              <a:rPr lang="en-US" dirty="0"/>
-              <a:t> (</a:t>
-            </a:r>
-            <a:r>
-              <a:rPr lang="en-US" dirty="0">
-                <a:solidFill>
-                  <a:schemeClr val="accent1"/>
-                </a:solidFill>
-              </a:rPr>
-              <a:t>push</a:t>
-            </a:r>
-            <a:r>
-              <a:rPr lang="en-US" dirty="0"/>
-              <a:t> 1 (</a:t>
-            </a:r>
-            <a:r>
-              <a:rPr lang="en-US" dirty="0">
-                <a:solidFill>
-                  <a:schemeClr val="accent1"/>
-                </a:solidFill>
-              </a:rPr>
-              <a:t>push</a:t>
-            </a:r>
-            <a:r>
-              <a:rPr lang="en-US" dirty="0"/>
-              <a:t> 2 </a:t>
-            </a:r>
-            <a:r>
-              <a:rPr lang="en-US" dirty="0">
-                <a:solidFill>
-                  <a:schemeClr val="accent1"/>
-                </a:solidFill>
-              </a:rPr>
-              <a:t>empty</a:t>
-            </a:r>
-            <a:r>
-              <a:rPr lang="en-US" dirty="0"/>
-              <a:t>))</a:t>
-            </a:r>
-          </a:p>
-          <a:p>
-            <a:r>
-              <a:rPr lang="en-US" dirty="0"/>
-              <a:t>Canonical:  </a:t>
-            </a:r>
-            <a:r>
-              <a:rPr lang="en-US" dirty="0">
-                <a:solidFill>
-                  <a:schemeClr val="accent1"/>
-                </a:solidFill>
-              </a:rPr>
-              <a:t>push</a:t>
-            </a:r>
-            <a:r>
-              <a:rPr lang="en-US" dirty="0"/>
-              <a:t> 2 </a:t>
-            </a:r>
-            <a:r>
-              <a:rPr lang="en-US" dirty="0">
-                <a:solidFill>
-                  <a:schemeClr val="accent1"/>
-                </a:solidFill>
-              </a:rPr>
-              <a:t>empty</a:t>
-            </a:r>
-            <a:endParaRPr lang="en-US" dirty="0"/>
-          </a:p>
-          <a:p>
-            <a:pPr marL="0" indent="0">
-              <a:buNone/>
-            </a:pPr>
-            <a:endParaRPr lang="en-US" dirty="0"/>
-          </a:p>
-          <a:p>
-            <a:pPr marL="0" indent="0">
-              <a:buNone/>
-            </a:pPr>
-            <a:endParaRPr lang="en-US" dirty="0"/>
+            <a:endParaRPr lang="en-US"/>
           </a:p>
         </p:txBody>
       </p:sp>
     </p:spTree>
     <p:extLst>
       <p:ext uri="{BB962C8B-B14F-4D97-AF65-F5344CB8AC3E}">
-        <p14:creationId xmlns:p14="http://schemas.microsoft.com/office/powerpoint/2010/main" val="3346822142"/>
+        <p14:creationId xmlns:p14="http://schemas.microsoft.com/office/powerpoint/2010/main" val="875474605"/>
       </p:ext>
     </p:extLst>
   </p:cSld>
@@ -11386,6 +11921,218 @@
       </p:grpSpPr>
       <p:sp>
         <p:nvSpPr>
+          <p:cNvPr id="4" name="Title 3">
+            <a:extLst>
+              <a:ext uri="{FF2B5EF4-FFF2-40B4-BE49-F238E27FC236}">
+                <a16:creationId xmlns:a16="http://schemas.microsoft.com/office/drawing/2014/main" id="{F88BD790-3D4D-244B-A634-BED9AEEF2F8A}"/>
+              </a:ext>
+            </a:extLst>
+          </p:cNvPr>
+          <p:cNvSpPr>
+            <a:spLocks noGrp="1"/>
+          </p:cNvSpPr>
+          <p:nvPr>
+            <p:ph type="title"/>
+          </p:nvPr>
+        </p:nvSpPr>
+        <p:spPr/>
+        <p:txBody>
+          <a:bodyPr/>
+          <a:lstStyle/>
+          <a:p>
+            <a:r>
+              <a:rPr lang="en-US" dirty="0"/>
+              <a:t>Canonical form</a:t>
+            </a:r>
+          </a:p>
+        </p:txBody>
+      </p:sp>
+      <p:sp>
+        <p:nvSpPr>
+          <p:cNvPr id="5" name="Content Placeholder 4">
+            <a:extLst>
+              <a:ext uri="{FF2B5EF4-FFF2-40B4-BE49-F238E27FC236}">
+                <a16:creationId xmlns:a16="http://schemas.microsoft.com/office/drawing/2014/main" id="{08B04B45-502E-6242-9C99-F92B6E9B5574}"/>
+              </a:ext>
+            </a:extLst>
+          </p:cNvPr>
+          <p:cNvSpPr>
+            <a:spLocks noGrp="1"/>
+          </p:cNvSpPr>
+          <p:nvPr>
+            <p:ph idx="1"/>
+          </p:nvPr>
+        </p:nvSpPr>
+        <p:spPr/>
+        <p:txBody>
+          <a:bodyPr>
+            <a:normAutofit lnSpcReduction="10000"/>
+          </a:bodyPr>
+          <a:lstStyle/>
+          <a:p>
+            <a:pPr marL="0" indent="0">
+              <a:buNone/>
+            </a:pPr>
+            <a:r>
+              <a:rPr lang="en-US" i="1" dirty="0">
+                <a:latin typeface="Cronos Pro" panose="020C0502030403020304" pitchFamily="34" charset="77"/>
+              </a:rPr>
+              <a:t>canonical: </a:t>
+            </a:r>
+            <a:r>
+              <a:rPr lang="en-US" dirty="0"/>
+              <a:t>conforming to some rule</a:t>
+            </a:r>
+          </a:p>
+          <a:p>
+            <a:pPr marL="0" indent="0">
+              <a:buNone/>
+            </a:pPr>
+            <a:endParaRPr lang="en-US" dirty="0"/>
+          </a:p>
+          <a:p>
+            <a:pPr marL="0" indent="0">
+              <a:buNone/>
+            </a:pPr>
+            <a:r>
+              <a:rPr lang="en-US" dirty="0"/>
+              <a:t>Only build up structure</a:t>
+            </a:r>
+          </a:p>
+          <a:p>
+            <a:r>
+              <a:rPr lang="en-US" dirty="0"/>
+              <a:t>Not canonical:  </a:t>
+            </a:r>
+            <a:r>
+              <a:rPr lang="en-US" dirty="0">
+                <a:solidFill>
+                  <a:schemeClr val="accent2"/>
+                </a:solidFill>
+              </a:rPr>
+              <a:t>pop</a:t>
+            </a:r>
+            <a:r>
+              <a:rPr lang="en-US" dirty="0"/>
+              <a:t> (</a:t>
+            </a:r>
+            <a:r>
+              <a:rPr lang="en-US" dirty="0">
+                <a:solidFill>
+                  <a:schemeClr val="accent1"/>
+                </a:solidFill>
+              </a:rPr>
+              <a:t>push</a:t>
+            </a:r>
+            <a:r>
+              <a:rPr lang="en-US" dirty="0"/>
+              <a:t> 1 (</a:t>
+            </a:r>
+            <a:r>
+              <a:rPr lang="en-US" dirty="0">
+                <a:solidFill>
+                  <a:schemeClr val="accent1"/>
+                </a:solidFill>
+              </a:rPr>
+              <a:t>push</a:t>
+            </a:r>
+            <a:r>
+              <a:rPr lang="en-US" dirty="0"/>
+              <a:t> 2 </a:t>
+            </a:r>
+            <a:r>
+              <a:rPr lang="en-US" dirty="0">
+                <a:solidFill>
+                  <a:schemeClr val="accent1"/>
+                </a:solidFill>
+              </a:rPr>
+              <a:t>empty</a:t>
+            </a:r>
+            <a:r>
+              <a:rPr lang="en-US" dirty="0"/>
+              <a:t>))</a:t>
+            </a:r>
+          </a:p>
+          <a:p>
+            <a:r>
+              <a:rPr lang="en-US" dirty="0"/>
+              <a:t>Canonical:  </a:t>
+            </a:r>
+            <a:r>
+              <a:rPr lang="en-US" dirty="0">
+                <a:solidFill>
+                  <a:schemeClr val="accent1"/>
+                </a:solidFill>
+              </a:rPr>
+              <a:t>push</a:t>
+            </a:r>
+            <a:r>
+              <a:rPr lang="en-US" dirty="0"/>
+              <a:t> 2 </a:t>
+            </a:r>
+            <a:r>
+              <a:rPr lang="en-US" dirty="0">
+                <a:solidFill>
+                  <a:schemeClr val="accent1"/>
+                </a:solidFill>
+              </a:rPr>
+              <a:t>empty</a:t>
+            </a:r>
+            <a:endParaRPr lang="en-US" dirty="0"/>
+          </a:p>
+          <a:p>
+            <a:pPr marL="0" indent="0">
+              <a:buNone/>
+            </a:pPr>
+            <a:endParaRPr lang="en-US" dirty="0"/>
+          </a:p>
+          <a:p>
+            <a:pPr marL="0" indent="0">
+              <a:buNone/>
+            </a:pPr>
+            <a:r>
+              <a:rPr lang="en-US" dirty="0">
+                <a:solidFill>
+                  <a:schemeClr val="accent6"/>
+                </a:solidFill>
+              </a:rPr>
+              <a:t>Every value of data structure can be created solely with operations that create canonical forms</a:t>
+            </a:r>
+          </a:p>
+        </p:txBody>
+      </p:sp>
+    </p:spTree>
+    <p:extLst>
+      <p:ext uri="{BB962C8B-B14F-4D97-AF65-F5344CB8AC3E}">
+        <p14:creationId xmlns:p14="http://schemas.microsoft.com/office/powerpoint/2010/main" val="3346822142"/>
+      </p:ext>
+    </p:extLst>
+  </p:cSld>
+  <p:clrMapOvr>
+    <a:masterClrMapping/>
+  </p:clrMapOvr>
+</p:sld>
+</file>
+
+<file path=ppt/slides/slide23.xml><?xml version="1.0" encoding="utf-8"?>
+<p:sld xmlns:a="http://schemas.openxmlformats.org/drawingml/2006/main" xmlns:r="http://schemas.openxmlformats.org/officeDocument/2006/relationships" xmlns:p="http://schemas.openxmlformats.org/presentationml/2006/main">
+  <p:cSld>
+    <p:spTree>
+      <p:nvGrpSpPr>
+        <p:cNvPr id="1" name=""/>
+        <p:cNvGrpSpPr/>
+        <p:nvPr/>
+      </p:nvGrpSpPr>
+      <p:grpSpPr>
+        <a:xfrm>
+          <a:off x="0" y="0"/>
+          <a:ext cx="0" cy="0"/>
+          <a:chOff x="0" y="0"/>
+          <a:chExt cx="0" cy="0"/>
+        </a:xfrm>
+      </p:grpSpPr>
+      <p:sp>
+        <p:nvSpPr>
           <p:cNvPr id="4" name="Title 3"/>
           <p:cNvSpPr>
             <a:spLocks noGrp="1"/>
@@ -11435,40 +12182,40 @@
                   <a:schemeClr val="accent1"/>
                 </a:solidFill>
               </a:rPr>
-              <a:t>create canonical forms</a:t>
+              <a:t>create canonical form</a:t>
             </a:r>
           </a:p>
           <a:p>
             <a:r>
               <a:rPr lang="en-US" b="1" dirty="0">
                 <a:solidFill>
+                  <a:schemeClr val="accent2"/>
+                </a:solidFill>
+              </a:rPr>
+              <a:t>Manipulator:  </a:t>
+            </a:r>
+            <a:r>
+              <a:rPr lang="en-US" dirty="0">
+                <a:solidFill>
+                  <a:schemeClr val="accent2"/>
+                </a:solidFill>
+              </a:rPr>
+              <a:t>create non-canonical form</a:t>
+            </a:r>
+          </a:p>
+          <a:p>
+            <a:r>
+              <a:rPr lang="en-US" b="1" dirty="0">
+                <a:solidFill>
                   <a:schemeClr val="accent3"/>
                 </a:solidFill>
               </a:rPr>
-              <a:t>Manipulator:  </a:t>
+              <a:t>Query:  </a:t>
             </a:r>
             <a:r>
               <a:rPr lang="en-US" dirty="0">
                 <a:solidFill>
                   <a:schemeClr val="accent3"/>
-                </a:solidFill>
-              </a:rPr>
-              <a:t>create non-canonical form</a:t>
-            </a:r>
-          </a:p>
-          <a:p>
-            <a:r>
-              <a:rPr lang="en-US" b="1" dirty="0">
-                <a:solidFill>
-                  <a:schemeClr val="accent2"/>
-                </a:solidFill>
-              </a:rPr>
-              <a:t>Query:  </a:t>
-            </a:r>
-            <a:r>
-              <a:rPr lang="en-US" dirty="0">
-                <a:solidFill>
-                  <a:schemeClr val="accent2"/>
                 </a:solidFill>
               </a:rPr>
               <a:t>create value of different type</a:t>
@@ -11495,7 +12242,7 @@
 </p:sld>
 </file>
 
-<file path=ppt/slides/slide23.xml><?xml version="1.0" encoding="utf-8"?>
+<file path=ppt/slides/slide24.xml><?xml version="1.0" encoding="utf-8"?>
 <p:sld xmlns:a="http://schemas.openxmlformats.org/drawingml/2006/main" xmlns:r="http://schemas.openxmlformats.org/officeDocument/2006/relationships" xmlns:p="http://schemas.openxmlformats.org/presentationml/2006/main">
   <p:cSld>
     <p:spTree>
@@ -12217,7 +12964,7 @@
 </p:sld>
 </file>
 
-<file path=ppt/slides/slide24.xml><?xml version="1.0" encoding="utf-8"?>
+<file path=ppt/slides/slide25.xml><?xml version="1.0" encoding="utf-8"?>
 <p:sld xmlns:a="http://schemas.openxmlformats.org/drawingml/2006/main" xmlns:r="http://schemas.openxmlformats.org/officeDocument/2006/relationships" xmlns:p="http://schemas.openxmlformats.org/presentationml/2006/main">
   <p:cSld>
     <p:spTree>
@@ -12993,7 +13740,7 @@
 </p:sld>
 </file>
 
-<file path=ppt/slides/slide25.xml><?xml version="1.0" encoding="utf-8"?>
+<file path=ppt/slides/slide26.xml><?xml version="1.0" encoding="utf-8"?>
 <p:sld xmlns:a="http://schemas.openxmlformats.org/drawingml/2006/main" xmlns:r="http://schemas.openxmlformats.org/officeDocument/2006/relationships" xmlns:p="http://schemas.openxmlformats.org/presentationml/2006/main">
   <p:cSld>
     <p:spTree>
@@ -13136,7 +13883,7 @@
                 <a:ea typeface="Courier" charset="0"/>
                 <a:cs typeface="Courier" charset="0"/>
               </a:rPr>
-              <a:t> _ _) = false</a:t>
+              <a:t> x s) = false</a:t>
             </a:r>
           </a:p>
           <a:p>
@@ -13838,89 +14585,6 @@
 </p:sld>
 </file>
 
-<file path=ppt/slides/slide26.xml><?xml version="1.0" encoding="utf-8"?>
-<p:sld xmlns:a="http://schemas.openxmlformats.org/drawingml/2006/main" xmlns:r="http://schemas.openxmlformats.org/officeDocument/2006/relationships" xmlns:p="http://schemas.openxmlformats.org/presentationml/2006/main">
-  <p:cSld>
-    <p:spTree>
-      <p:nvGrpSpPr>
-        <p:cNvPr id="1" name=""/>
-        <p:cNvGrpSpPr/>
-        <p:nvPr/>
-      </p:nvGrpSpPr>
-      <p:grpSpPr>
-        <a:xfrm>
-          <a:off x="0" y="0"/>
-          <a:ext cx="0" cy="0"/>
-          <a:chOff x="0" y="0"/>
-          <a:chExt cx="0" cy="0"/>
-        </a:xfrm>
-      </p:grpSpPr>
-      <p:sp>
-        <p:nvSpPr>
-          <p:cNvPr id="4" name="Title 3">
-            <a:extLst>
-              <a:ext uri="{FF2B5EF4-FFF2-40B4-BE49-F238E27FC236}">
-                <a16:creationId xmlns:a16="http://schemas.microsoft.com/office/drawing/2014/main" id="{34764B5E-22BC-B544-9D2B-2E7E8ECDDB0F}"/>
-              </a:ext>
-            </a:extLst>
-          </p:cNvPr>
-          <p:cNvSpPr>
-            <a:spLocks noGrp="1"/>
-          </p:cNvSpPr>
-          <p:nvPr>
-            <p:ph type="title"/>
-          </p:nvPr>
-        </p:nvSpPr>
-        <p:spPr/>
-        <p:txBody>
-          <a:bodyPr/>
-          <a:lstStyle/>
-          <a:p>
-            <a:r>
-              <a:rPr lang="en-US" dirty="0"/>
-              <a:t>Sets</a:t>
-            </a:r>
-          </a:p>
-        </p:txBody>
-      </p:sp>
-      <p:sp>
-        <p:nvSpPr>
-          <p:cNvPr id="5" name="Text Placeholder 4">
-            <a:extLst>
-              <a:ext uri="{FF2B5EF4-FFF2-40B4-BE49-F238E27FC236}">
-                <a16:creationId xmlns:a16="http://schemas.microsoft.com/office/drawing/2014/main" id="{002863C5-3CCB-214B-9665-F3ACEE0FB918}"/>
-              </a:ext>
-            </a:extLst>
-          </p:cNvPr>
-          <p:cNvSpPr>
-            <a:spLocks noGrp="1"/>
-          </p:cNvSpPr>
-          <p:nvPr>
-            <p:ph type="body" idx="1"/>
-          </p:nvPr>
-        </p:nvSpPr>
-        <p:spPr/>
-        <p:txBody>
-          <a:bodyPr/>
-          <a:lstStyle/>
-          <a:p>
-            <a:endParaRPr lang="en-US"/>
-          </a:p>
-        </p:txBody>
-      </p:sp>
-    </p:spTree>
-    <p:extLst>
-      <p:ext uri="{BB962C8B-B14F-4D97-AF65-F5344CB8AC3E}">
-        <p14:creationId xmlns:p14="http://schemas.microsoft.com/office/powerpoint/2010/main" val="2384472360"/>
-      </p:ext>
-    </p:extLst>
-  </p:cSld>
-  <p:clrMapOvr>
-    <a:masterClrMapping/>
-  </p:clrMapOvr>
-</p:sld>
-</file>
-
 <file path=ppt/slides/slide27.xml><?xml version="1.0" encoding="utf-8"?>
 <p:sld xmlns:a="http://schemas.openxmlformats.org/drawingml/2006/main" xmlns:r="http://schemas.openxmlformats.org/officeDocument/2006/relationships" xmlns:p="http://schemas.openxmlformats.org/presentationml/2006/main">
   <p:cSld>
@@ -13943,7 +14607,7 @@
           <p:cNvPr id="4" name="Title 3">
             <a:extLst>
               <a:ext uri="{FF2B5EF4-FFF2-40B4-BE49-F238E27FC236}">
-                <a16:creationId xmlns:a16="http://schemas.microsoft.com/office/drawing/2014/main" id="{0E7513D5-2EAA-6449-B91C-DA2A64F2838B}"/>
+                <a16:creationId xmlns:a16="http://schemas.microsoft.com/office/drawing/2014/main" id="{34764B5E-22BC-B544-9D2B-2E7E8ECDDB0F}"/>
               </a:ext>
             </a:extLst>
           </p:cNvPr>
@@ -13968,10 +14632,10 @@
       </p:sp>
       <p:sp>
         <p:nvSpPr>
-          <p:cNvPr id="5" name="Content Placeholder 4">
+          <p:cNvPr id="5" name="Text Placeholder 4">
             <a:extLst>
               <a:ext uri="{FF2B5EF4-FFF2-40B4-BE49-F238E27FC236}">
-                <a16:creationId xmlns:a16="http://schemas.microsoft.com/office/drawing/2014/main" id="{4875C7E1-2085-9147-BE18-3F9851104373}"/>
+                <a16:creationId xmlns:a16="http://schemas.microsoft.com/office/drawing/2014/main" id="{002863C5-3CCB-214B-9665-F3ACEE0FB918}"/>
               </a:ext>
             </a:extLst>
           </p:cNvPr>
@@ -13979,247 +14643,22 @@
             <a:spLocks noGrp="1"/>
           </p:cNvSpPr>
           <p:nvPr>
-            <p:ph idx="1"/>
+            <p:ph type="body" idx="1"/>
           </p:nvPr>
         </p:nvSpPr>
         <p:spPr/>
         <p:txBody>
-          <a:bodyPr>
-            <a:normAutofit fontScale="92500"/>
-          </a:bodyPr>
+          <a:bodyPr/>
           <a:lstStyle/>
           <a:p>
-            <a:pPr marL="0" indent="0">
-              <a:buNone/>
-            </a:pPr>
-            <a:r>
-              <a:rPr lang="en-US" b="1" dirty="0">
-                <a:latin typeface="Courier" pitchFamily="2" charset="0"/>
-              </a:rPr>
-              <a:t>module</a:t>
-            </a:r>
-            <a:r>
-              <a:rPr lang="en-US" dirty="0">
-                <a:latin typeface="Courier" pitchFamily="2" charset="0"/>
-              </a:rPr>
-              <a:t> </a:t>
-            </a:r>
-            <a:r>
-              <a:rPr lang="en-US" b="1" dirty="0">
-                <a:latin typeface="Courier" pitchFamily="2" charset="0"/>
-              </a:rPr>
-              <a:t>type</a:t>
-            </a:r>
-            <a:r>
-              <a:rPr lang="en-US" dirty="0">
-                <a:latin typeface="Courier" pitchFamily="2" charset="0"/>
-              </a:rPr>
-              <a:t> Set = </a:t>
-            </a:r>
-            <a:r>
-              <a:rPr lang="en-US" b="1" dirty="0">
-                <a:latin typeface="Courier" pitchFamily="2" charset="0"/>
-              </a:rPr>
-              <a:t>sig</a:t>
-            </a:r>
-            <a:endParaRPr lang="en-US" dirty="0">
-              <a:latin typeface="Courier" pitchFamily="2" charset="0"/>
-            </a:endParaRPr>
-          </a:p>
-          <a:p>
-            <a:pPr marL="0" indent="0">
-              <a:buNone/>
-            </a:pPr>
-            <a:r>
-              <a:rPr lang="en-US" dirty="0">
-                <a:latin typeface="Courier" pitchFamily="2" charset="0"/>
-              </a:rPr>
-              <a:t>  </a:t>
-            </a:r>
-            <a:r>
-              <a:rPr lang="en-US" b="1" dirty="0">
-                <a:latin typeface="Courier" pitchFamily="2" charset="0"/>
-              </a:rPr>
-              <a:t>type</a:t>
-            </a:r>
-            <a:r>
-              <a:rPr lang="en-US" dirty="0">
-                <a:latin typeface="Courier" pitchFamily="2" charset="0"/>
-              </a:rPr>
-              <a:t> 'a t</a:t>
-            </a:r>
-          </a:p>
-          <a:p>
-            <a:pPr marL="0" indent="0">
-              <a:buNone/>
-            </a:pPr>
-            <a:r>
-              <a:rPr lang="en-US" dirty="0">
-                <a:latin typeface="Courier" pitchFamily="2" charset="0"/>
-              </a:rPr>
-              <a:t>  </a:t>
-            </a:r>
-            <a:r>
-              <a:rPr lang="en-US" b="1" dirty="0" err="1">
-                <a:latin typeface="Courier" pitchFamily="2" charset="0"/>
-              </a:rPr>
-              <a:t>val</a:t>
-            </a:r>
-            <a:r>
-              <a:rPr lang="en-US" dirty="0">
-                <a:latin typeface="Courier" pitchFamily="2" charset="0"/>
-              </a:rPr>
-              <a:t> empty : 'a t</a:t>
-            </a:r>
-          </a:p>
-          <a:p>
-            <a:pPr marL="0" indent="0">
-              <a:buNone/>
-            </a:pPr>
-            <a:r>
-              <a:rPr lang="en-US" dirty="0">
-                <a:latin typeface="Courier" pitchFamily="2" charset="0"/>
-              </a:rPr>
-              <a:t>  </a:t>
-            </a:r>
-            <a:r>
-              <a:rPr lang="en-US" b="1" dirty="0" err="1">
-                <a:latin typeface="Courier" pitchFamily="2" charset="0"/>
-              </a:rPr>
-              <a:t>val</a:t>
-            </a:r>
-            <a:r>
-              <a:rPr lang="en-US" dirty="0">
-                <a:latin typeface="Courier" pitchFamily="2" charset="0"/>
-              </a:rPr>
-              <a:t> </a:t>
-            </a:r>
-            <a:r>
-              <a:rPr lang="en-US" dirty="0" err="1">
-                <a:latin typeface="Courier" pitchFamily="2" charset="0"/>
-              </a:rPr>
-              <a:t>is_empty</a:t>
-            </a:r>
-            <a:r>
-              <a:rPr lang="en-US" dirty="0">
-                <a:latin typeface="Courier" pitchFamily="2" charset="0"/>
-              </a:rPr>
-              <a:t> : 'a t -&gt; </a:t>
-            </a:r>
-            <a:r>
-              <a:rPr lang="en-US" b="1" dirty="0">
-                <a:latin typeface="Courier" pitchFamily="2" charset="0"/>
-              </a:rPr>
-              <a:t>bool</a:t>
-            </a:r>
-            <a:endParaRPr lang="en-US" dirty="0">
-              <a:latin typeface="Courier" pitchFamily="2" charset="0"/>
-            </a:endParaRPr>
-          </a:p>
-          <a:p>
-            <a:pPr marL="0" indent="0">
-              <a:buNone/>
-            </a:pPr>
-            <a:r>
-              <a:rPr lang="en-US" dirty="0">
-                <a:latin typeface="Courier" pitchFamily="2" charset="0"/>
-              </a:rPr>
-              <a:t>  </a:t>
-            </a:r>
-            <a:r>
-              <a:rPr lang="en-US" b="1" dirty="0" err="1">
-                <a:latin typeface="Courier" pitchFamily="2" charset="0"/>
-              </a:rPr>
-              <a:t>val</a:t>
-            </a:r>
-            <a:r>
-              <a:rPr lang="en-US" dirty="0">
-                <a:latin typeface="Courier" pitchFamily="2" charset="0"/>
-              </a:rPr>
-              <a:t> add : 'a -&gt; 'a t -&gt; 'a t</a:t>
-            </a:r>
-          </a:p>
-          <a:p>
-            <a:pPr marL="0" indent="0">
-              <a:buNone/>
-            </a:pPr>
-            <a:r>
-              <a:rPr lang="en-US" dirty="0">
-                <a:latin typeface="Courier" pitchFamily="2" charset="0"/>
-              </a:rPr>
-              <a:t>  </a:t>
-            </a:r>
-            <a:r>
-              <a:rPr lang="en-US" b="1" dirty="0" err="1">
-                <a:latin typeface="Courier" pitchFamily="2" charset="0"/>
-              </a:rPr>
-              <a:t>val</a:t>
-            </a:r>
-            <a:r>
-              <a:rPr lang="en-US" dirty="0">
-                <a:latin typeface="Courier" pitchFamily="2" charset="0"/>
-              </a:rPr>
-              <a:t> mem : 'a -&gt; 'a t -&gt; </a:t>
-            </a:r>
-            <a:r>
-              <a:rPr lang="en-US" b="1" dirty="0">
-                <a:latin typeface="Courier" pitchFamily="2" charset="0"/>
-              </a:rPr>
-              <a:t>bool</a:t>
-            </a:r>
-            <a:endParaRPr lang="en-US" dirty="0">
-              <a:latin typeface="Courier" pitchFamily="2" charset="0"/>
-            </a:endParaRPr>
-          </a:p>
-          <a:p>
-            <a:pPr marL="0" indent="0">
-              <a:buNone/>
-            </a:pPr>
-            <a:r>
-              <a:rPr lang="en-US" dirty="0">
-                <a:latin typeface="Courier" pitchFamily="2" charset="0"/>
-              </a:rPr>
-              <a:t>  </a:t>
-            </a:r>
-            <a:r>
-              <a:rPr lang="en-US" b="1" dirty="0" err="1">
-                <a:latin typeface="Courier" pitchFamily="2" charset="0"/>
-              </a:rPr>
-              <a:t>val</a:t>
-            </a:r>
-            <a:r>
-              <a:rPr lang="en-US" dirty="0">
-                <a:latin typeface="Courier" pitchFamily="2" charset="0"/>
-              </a:rPr>
-              <a:t> remove : 'a -&gt; 'a t -&gt; 'a t</a:t>
-            </a:r>
-          </a:p>
-          <a:p>
-            <a:pPr marL="0" indent="0">
-              <a:buNone/>
-            </a:pPr>
-            <a:r>
-              <a:rPr lang="en-US" b="1" dirty="0">
-                <a:latin typeface="Courier" pitchFamily="2" charset="0"/>
-              </a:rPr>
-              <a:t>end</a:t>
-            </a:r>
-            <a:endParaRPr lang="en-US" dirty="0">
-              <a:latin typeface="Courier" pitchFamily="2" charset="0"/>
-            </a:endParaRPr>
-          </a:p>
-          <a:p>
-            <a:pPr marL="0" indent="0">
-              <a:buNone/>
-            </a:pPr>
-            <a:endParaRPr lang="en-US" dirty="0"/>
+            <a:endParaRPr lang="en-US"/>
           </a:p>
         </p:txBody>
       </p:sp>
     </p:spTree>
     <p:extLst>
       <p:ext uri="{BB962C8B-B14F-4D97-AF65-F5344CB8AC3E}">
-        <p14:creationId xmlns:p14="http://schemas.microsoft.com/office/powerpoint/2010/main" val="2992754688"/>
+        <p14:creationId xmlns:p14="http://schemas.microsoft.com/office/powerpoint/2010/main" val="2384472360"/>
       </p:ext>
     </p:extLst>
   </p:cSld>
@@ -14251,7 +14690,7 @@
           <p:cNvPr id="4" name="Title 3">
             <a:extLst>
               <a:ext uri="{FF2B5EF4-FFF2-40B4-BE49-F238E27FC236}">
-                <a16:creationId xmlns:a16="http://schemas.microsoft.com/office/drawing/2014/main" id="{463BBB04-BCE0-B443-83D2-FC80BAF73D8C}"/>
+                <a16:creationId xmlns:a16="http://schemas.microsoft.com/office/drawing/2014/main" id="{0E7513D5-2EAA-6449-B91C-DA2A64F2838B}"/>
               </a:ext>
             </a:extLst>
           </p:cNvPr>
@@ -14268,18 +14707,18 @@
           <a:lstStyle/>
           <a:p>
             <a:r>
-              <a:rPr lang="en-US"/>
-              <a:t>Clicker Question 2</a:t>
+              <a:rPr lang="en-US" dirty="0"/>
+              <a:t>Sets</a:t>
             </a:r>
           </a:p>
         </p:txBody>
       </p:sp>
       <p:sp>
         <p:nvSpPr>
-          <p:cNvPr id="5" name="Text Placeholder 4">
+          <p:cNvPr id="5" name="Content Placeholder 4">
             <a:extLst>
               <a:ext uri="{FF2B5EF4-FFF2-40B4-BE49-F238E27FC236}">
-                <a16:creationId xmlns:a16="http://schemas.microsoft.com/office/drawing/2014/main" id="{F47F29D2-6A5B-0F41-8219-1DE4D9CCA874}"/>
+                <a16:creationId xmlns:a16="http://schemas.microsoft.com/office/drawing/2014/main" id="{4875C7E1-2085-9147-BE18-3F9851104373}"/>
               </a:ext>
             </a:extLst>
           </p:cNvPr>
@@ -14287,22 +14726,247 @@
             <a:spLocks noGrp="1"/>
           </p:cNvSpPr>
           <p:nvPr>
-            <p:ph type="body" idx="1"/>
+            <p:ph idx="1"/>
           </p:nvPr>
         </p:nvSpPr>
         <p:spPr/>
         <p:txBody>
-          <a:bodyPr/>
+          <a:bodyPr>
+            <a:normAutofit fontScale="92500"/>
+          </a:bodyPr>
           <a:lstStyle/>
           <a:p>
-            <a:endParaRPr lang="en-US"/>
+            <a:pPr marL="0" indent="0">
+              <a:buNone/>
+            </a:pPr>
+            <a:r>
+              <a:rPr lang="en-US" b="1" dirty="0">
+                <a:latin typeface="Courier" pitchFamily="2" charset="0"/>
+              </a:rPr>
+              <a:t>module</a:t>
+            </a:r>
+            <a:r>
+              <a:rPr lang="en-US" dirty="0">
+                <a:latin typeface="Courier" pitchFamily="2" charset="0"/>
+              </a:rPr>
+              <a:t> </a:t>
+            </a:r>
+            <a:r>
+              <a:rPr lang="en-US" b="1" dirty="0">
+                <a:latin typeface="Courier" pitchFamily="2" charset="0"/>
+              </a:rPr>
+              <a:t>type</a:t>
+            </a:r>
+            <a:r>
+              <a:rPr lang="en-US" dirty="0">
+                <a:latin typeface="Courier" pitchFamily="2" charset="0"/>
+              </a:rPr>
+              <a:t> Set = </a:t>
+            </a:r>
+            <a:r>
+              <a:rPr lang="en-US" b="1" dirty="0">
+                <a:latin typeface="Courier" pitchFamily="2" charset="0"/>
+              </a:rPr>
+              <a:t>sig</a:t>
+            </a:r>
+            <a:endParaRPr lang="en-US" dirty="0">
+              <a:latin typeface="Courier" pitchFamily="2" charset="0"/>
+            </a:endParaRPr>
+          </a:p>
+          <a:p>
+            <a:pPr marL="0" indent="0">
+              <a:buNone/>
+            </a:pPr>
+            <a:r>
+              <a:rPr lang="en-US" dirty="0">
+                <a:latin typeface="Courier" pitchFamily="2" charset="0"/>
+              </a:rPr>
+              <a:t>  </a:t>
+            </a:r>
+            <a:r>
+              <a:rPr lang="en-US" b="1" dirty="0">
+                <a:latin typeface="Courier" pitchFamily="2" charset="0"/>
+              </a:rPr>
+              <a:t>type</a:t>
+            </a:r>
+            <a:r>
+              <a:rPr lang="en-US" dirty="0">
+                <a:latin typeface="Courier" pitchFamily="2" charset="0"/>
+              </a:rPr>
+              <a:t> 'a t</a:t>
+            </a:r>
+          </a:p>
+          <a:p>
+            <a:pPr marL="0" indent="0">
+              <a:buNone/>
+            </a:pPr>
+            <a:r>
+              <a:rPr lang="en-US" dirty="0">
+                <a:latin typeface="Courier" pitchFamily="2" charset="0"/>
+              </a:rPr>
+              <a:t>  </a:t>
+            </a:r>
+            <a:r>
+              <a:rPr lang="en-US" b="1" dirty="0" err="1">
+                <a:latin typeface="Courier" pitchFamily="2" charset="0"/>
+              </a:rPr>
+              <a:t>val</a:t>
+            </a:r>
+            <a:r>
+              <a:rPr lang="en-US" dirty="0">
+                <a:latin typeface="Courier" pitchFamily="2" charset="0"/>
+              </a:rPr>
+              <a:t> empty : 'a t</a:t>
+            </a:r>
+          </a:p>
+          <a:p>
+            <a:pPr marL="0" indent="0">
+              <a:buNone/>
+            </a:pPr>
+            <a:r>
+              <a:rPr lang="en-US" dirty="0">
+                <a:latin typeface="Courier" pitchFamily="2" charset="0"/>
+              </a:rPr>
+              <a:t>  </a:t>
+            </a:r>
+            <a:r>
+              <a:rPr lang="en-US" b="1" dirty="0" err="1">
+                <a:latin typeface="Courier" pitchFamily="2" charset="0"/>
+              </a:rPr>
+              <a:t>val</a:t>
+            </a:r>
+            <a:r>
+              <a:rPr lang="en-US" dirty="0">
+                <a:latin typeface="Courier" pitchFamily="2" charset="0"/>
+              </a:rPr>
+              <a:t> </a:t>
+            </a:r>
+            <a:r>
+              <a:rPr lang="en-US" dirty="0" err="1">
+                <a:latin typeface="Courier" pitchFamily="2" charset="0"/>
+              </a:rPr>
+              <a:t>is_empty</a:t>
+            </a:r>
+            <a:r>
+              <a:rPr lang="en-US" dirty="0">
+                <a:latin typeface="Courier" pitchFamily="2" charset="0"/>
+              </a:rPr>
+              <a:t> : 'a t -&gt; </a:t>
+            </a:r>
+            <a:r>
+              <a:rPr lang="en-US" b="1" dirty="0">
+                <a:latin typeface="Courier" pitchFamily="2" charset="0"/>
+              </a:rPr>
+              <a:t>bool</a:t>
+            </a:r>
+            <a:endParaRPr lang="en-US" dirty="0">
+              <a:latin typeface="Courier" pitchFamily="2" charset="0"/>
+            </a:endParaRPr>
+          </a:p>
+          <a:p>
+            <a:pPr marL="0" indent="0">
+              <a:buNone/>
+            </a:pPr>
+            <a:r>
+              <a:rPr lang="en-US" dirty="0">
+                <a:latin typeface="Courier" pitchFamily="2" charset="0"/>
+              </a:rPr>
+              <a:t>  </a:t>
+            </a:r>
+            <a:r>
+              <a:rPr lang="en-US" b="1" dirty="0" err="1">
+                <a:latin typeface="Courier" pitchFamily="2" charset="0"/>
+              </a:rPr>
+              <a:t>val</a:t>
+            </a:r>
+            <a:r>
+              <a:rPr lang="en-US" dirty="0">
+                <a:latin typeface="Courier" pitchFamily="2" charset="0"/>
+              </a:rPr>
+              <a:t> add : 'a -&gt; 'a t -&gt; 'a t</a:t>
+            </a:r>
+          </a:p>
+          <a:p>
+            <a:pPr marL="0" indent="0">
+              <a:buNone/>
+            </a:pPr>
+            <a:r>
+              <a:rPr lang="en-US" dirty="0">
+                <a:latin typeface="Courier" pitchFamily="2" charset="0"/>
+              </a:rPr>
+              <a:t>  </a:t>
+            </a:r>
+            <a:r>
+              <a:rPr lang="en-US" b="1" dirty="0" err="1">
+                <a:latin typeface="Courier" pitchFamily="2" charset="0"/>
+              </a:rPr>
+              <a:t>val</a:t>
+            </a:r>
+            <a:r>
+              <a:rPr lang="en-US" dirty="0">
+                <a:latin typeface="Courier" pitchFamily="2" charset="0"/>
+              </a:rPr>
+              <a:t> mem : 'a -&gt; 'a t -&gt; </a:t>
+            </a:r>
+            <a:r>
+              <a:rPr lang="en-US" b="1" dirty="0">
+                <a:latin typeface="Courier" pitchFamily="2" charset="0"/>
+              </a:rPr>
+              <a:t>bool</a:t>
+            </a:r>
+            <a:endParaRPr lang="en-US" dirty="0">
+              <a:latin typeface="Courier" pitchFamily="2" charset="0"/>
+            </a:endParaRPr>
+          </a:p>
+          <a:p>
+            <a:pPr marL="0" indent="0">
+              <a:buNone/>
+            </a:pPr>
+            <a:r>
+              <a:rPr lang="en-US" dirty="0">
+                <a:latin typeface="Courier" pitchFamily="2" charset="0"/>
+              </a:rPr>
+              <a:t>  </a:t>
+            </a:r>
+            <a:r>
+              <a:rPr lang="en-US" b="1" dirty="0" err="1">
+                <a:latin typeface="Courier" pitchFamily="2" charset="0"/>
+              </a:rPr>
+              <a:t>val</a:t>
+            </a:r>
+            <a:r>
+              <a:rPr lang="en-US" dirty="0">
+                <a:latin typeface="Courier" pitchFamily="2" charset="0"/>
+              </a:rPr>
+              <a:t> remove : 'a -&gt; 'a t -&gt; 'a t</a:t>
+            </a:r>
+          </a:p>
+          <a:p>
+            <a:pPr marL="0" indent="0">
+              <a:buNone/>
+            </a:pPr>
+            <a:r>
+              <a:rPr lang="en-US" b="1" dirty="0">
+                <a:latin typeface="Courier" pitchFamily="2" charset="0"/>
+              </a:rPr>
+              <a:t>end</a:t>
+            </a:r>
+            <a:endParaRPr lang="en-US" dirty="0">
+              <a:latin typeface="Courier" pitchFamily="2" charset="0"/>
+            </a:endParaRPr>
+          </a:p>
+          <a:p>
+            <a:pPr marL="0" indent="0">
+              <a:buNone/>
+            </a:pPr>
+            <a:endParaRPr lang="en-US" dirty="0"/>
           </a:p>
         </p:txBody>
       </p:sp>
     </p:spTree>
     <p:extLst>
       <p:ext uri="{BB962C8B-B14F-4D97-AF65-F5344CB8AC3E}">
-        <p14:creationId xmlns:p14="http://schemas.microsoft.com/office/powerpoint/2010/main" val="3726435959"/>
+        <p14:creationId xmlns:p14="http://schemas.microsoft.com/office/powerpoint/2010/main" val="2992754688"/>
       </p:ext>
     </p:extLst>
   </p:cSld>
@@ -15536,6 +16200,77 @@
           </a:p>
           <a:p>
             <a:endParaRPr lang="en-US" dirty="0"/>
+          </a:p>
+        </p:txBody>
+      </p:sp>
+      <p:sp>
+        <p:nvSpPr>
+          <p:cNvPr id="5" name="Rounded Rectangle 4">
+            <a:extLst>
+              <a:ext uri="{FF2B5EF4-FFF2-40B4-BE49-F238E27FC236}">
+                <a16:creationId xmlns:a16="http://schemas.microsoft.com/office/drawing/2014/main" id="{D3620835-65DF-5C43-934C-DA5F2768DA6C}"/>
+              </a:ext>
+            </a:extLst>
+          </p:cNvPr>
+          <p:cNvSpPr/>
+          <p:nvPr/>
+        </p:nvSpPr>
+        <p:spPr>
+          <a:xfrm>
+            <a:off x="3848100" y="6007100"/>
+            <a:ext cx="4559300" cy="762000"/>
+          </a:xfrm>
+          <a:prstGeom prst="roundRect">
+            <a:avLst/>
+          </a:prstGeom>
+          <a:solidFill>
+            <a:schemeClr val="accent6"/>
+          </a:solidFill>
+          <a:ln>
+            <a:noFill/>
+          </a:ln>
+          <a:effectLst/>
+        </p:spPr>
+        <p:style>
+          <a:lnRef idx="1">
+            <a:schemeClr val="accent1"/>
+          </a:lnRef>
+          <a:fillRef idx="3">
+            <a:schemeClr val="accent1"/>
+          </a:fillRef>
+          <a:effectRef idx="2">
+            <a:schemeClr val="accent1"/>
+          </a:effectRef>
+          <a:fontRef idx="minor">
+            <a:schemeClr val="lt1"/>
+          </a:fontRef>
+        </p:style>
+        <p:txBody>
+          <a:bodyPr rtlCol="0" anchor="ctr"/>
+          <a:lstStyle/>
+          <a:p>
+            <a:pPr algn="ctr"/>
+            <a:r>
+              <a:rPr lang="en-US" sz="2400" dirty="0">
+                <a:latin typeface="CronosPro-Regular"/>
+                <a:cs typeface="CronosPro-Regular"/>
+              </a:rPr>
+              <a:t>RHS of </a:t>
+            </a:r>
+            <a:r>
+              <a:rPr lang="en-US" sz="2400" dirty="0" err="1">
+                <a:latin typeface="CronosPro-Regular"/>
+                <a:cs typeface="CronosPro-Regular"/>
+              </a:rPr>
+              <a:t>eqn</a:t>
+            </a:r>
+            <a:r>
+              <a:rPr lang="en-US" sz="2400" dirty="0">
+                <a:latin typeface="CronosPro-Regular"/>
+                <a:cs typeface="CronosPro-Regular"/>
+              </a:rPr>
+              <a:t> applies non-generator to smaller input than LHS</a:t>
+            </a:r>
           </a:p>
         </p:txBody>
       </p:sp>
@@ -15815,6 +16550,51 @@
                       </p:childTnLst>
                     </p:cTn>
                   </p:par>
+                  <p:par>
+                    <p:cTn id="23" fill="hold">
+                      <p:stCondLst>
+                        <p:cond delay="indefinite"/>
+                      </p:stCondLst>
+                      <p:childTnLst>
+                        <p:par>
+                          <p:cTn id="24" fill="hold">
+                            <p:stCondLst>
+                              <p:cond delay="0"/>
+                            </p:stCondLst>
+                            <p:childTnLst>
+                              <p:par>
+                                <p:cTn id="25" presetID="1" presetClass="entr" presetSubtype="0" fill="hold" grpId="0" nodeType="clickEffect">
+                                  <p:stCondLst>
+                                    <p:cond delay="0"/>
+                                  </p:stCondLst>
+                                  <p:childTnLst>
+                                    <p:set>
+                                      <p:cBhvr>
+                                        <p:cTn id="26" dur="1" fill="hold">
+                                          <p:stCondLst>
+                                            <p:cond delay="0"/>
+                                          </p:stCondLst>
+                                        </p:cTn>
+                                        <p:tgtEl>
+                                          <p:spTgt spid="5"/>
+                                        </p:tgtEl>
+                                        <p:attrNameLst>
+                                          <p:attrName>style.visibility</p:attrName>
+                                        </p:attrNameLst>
+                                      </p:cBhvr>
+                                      <p:to>
+                                        <p:strVal val="visible"/>
+                                      </p:to>
+                                    </p:set>
+                                  </p:childTnLst>
+                                </p:cTn>
+                              </p:par>
+                            </p:childTnLst>
+                          </p:cTn>
+                        </p:par>
+                      </p:childTnLst>
+                    </p:cTn>
+                  </p:par>
                 </p:childTnLst>
               </p:cTn>
               <p:prevCondLst>
@@ -15836,6 +16616,9 @@
         </p:cTn>
       </p:par>
     </p:tnLst>
+    <p:bldLst>
+      <p:bldP spid="5" grpId="0" animBg="1"/>
+    </p:bldLst>
   </p:timing>
 </p:sld>
 </file>

--- a/22-proofs3/lec.pptx
+++ b/22-proofs3/lec.pptx
@@ -8236,7 +8236,7 @@
                 </a:solidFill>
                 <a:latin typeface="Courier" pitchFamily="2" charset="0"/>
               </a:rPr>
-              <a:t> s </a:t>
+              <a:t> q </a:t>
             </a:r>
             <a:r>
               <a:rPr lang="en-US" dirty="0">
@@ -8272,7 +8272,7 @@
                 </a:solidFill>
                 <a:latin typeface="Courier" pitchFamily="2" charset="0"/>
               </a:rPr>
-              <a:t>s </a:t>
+              <a:t>q </a:t>
             </a:r>
             <a:r>
               <a:rPr lang="en-US" dirty="0">
@@ -8438,10 +8438,19 @@
                 </a:solidFill>
                 <a:latin typeface="Courier" pitchFamily="2" charset="0"/>
               </a:rPr>
-              <a:t> x s </a:t>
-            </a:r>
-            <a:r>
-              <a:rPr lang="en-US" dirty="0">
+              <a:t> </a:t>
+            </a:r>
+            <a:r>
+              <a:rPr lang="en-US">
+                <a:solidFill>
+                  <a:srgbClr val="000000"/>
+                </a:solidFill>
+                <a:latin typeface="Courier" pitchFamily="2" charset="0"/>
+              </a:rPr>
+              <a:t>x q </a:t>
+            </a:r>
+            <a:r>
+              <a:rPr lang="en-US">
                 <a:solidFill>
                   <a:srgbClr val="6D6F24"/>
                 </a:solidFill>
@@ -8450,13 +8459,13 @@
               <a:t>=</a:t>
             </a:r>
             <a:r>
-              <a:rPr lang="en-US" dirty="0">
-                <a:solidFill>
-                  <a:srgbClr val="000000"/>
-                </a:solidFill>
-                <a:latin typeface="Courier" pitchFamily="2" charset="0"/>
-              </a:rPr>
-              <a:t> s </a:t>
+              <a:rPr lang="en-US">
+                <a:solidFill>
+                  <a:srgbClr val="000000"/>
+                </a:solidFill>
+                <a:latin typeface="Courier" pitchFamily="2" charset="0"/>
+              </a:rPr>
+              <a:t> q </a:t>
             </a:r>
             <a:r>
               <a:rPr lang="en-US" dirty="0">
